--- a/other_data/models_flowchart.pptx
+++ b/other_data/models_flowchart.pptx
@@ -4167,6 +4167,258 @@
           </a:fontRef>
         </p:style>
       </p:cxnSp>
+      <p:sp>
+        <p:nvSpPr>
+          <p:cNvPr id="92" name="Textfeld 91">
+            <a:extLst>
+              <a:ext uri="{FF2B5EF4-FFF2-40B4-BE49-F238E27FC236}">
+                <a16:creationId xmlns:a16="http://schemas.microsoft.com/office/drawing/2014/main" id="{7170D31A-BDBF-299E-7BF1-7F189438C026}"/>
+              </a:ext>
+            </a:extLst>
+          </p:cNvPr>
+          <p:cNvSpPr txBox="1"/>
+          <p:nvPr/>
+        </p:nvSpPr>
+        <p:spPr>
+          <a:xfrm>
+            <a:off x="10490842" y="1218708"/>
+            <a:ext cx="301686" cy="369332"/>
+          </a:xfrm>
+          <a:prstGeom prst="rect">
+            <a:avLst/>
+          </a:prstGeom>
+          <a:noFill/>
+        </p:spPr>
+        <p:txBody>
+          <a:bodyPr wrap="none" rtlCol="0">
+            <a:spAutoFit/>
+          </a:bodyPr>
+          <a:lstStyle/>
+          <a:p>
+            <a:r>
+              <a:rPr lang="de-AT" dirty="0"/>
+              <a:t>1</a:t>
+            </a:r>
+            <a:endParaRPr lang="de-DE" dirty="0"/>
+          </a:p>
+        </p:txBody>
+      </p:sp>
+      <p:sp>
+        <p:nvSpPr>
+          <p:cNvPr id="93" name="Textfeld 92">
+            <a:extLst>
+              <a:ext uri="{FF2B5EF4-FFF2-40B4-BE49-F238E27FC236}">
+                <a16:creationId xmlns:a16="http://schemas.microsoft.com/office/drawing/2014/main" id="{EFBA78B7-7302-276E-9FDC-A2309FD32515}"/>
+              </a:ext>
+            </a:extLst>
+          </p:cNvPr>
+          <p:cNvSpPr txBox="1"/>
+          <p:nvPr/>
+        </p:nvSpPr>
+        <p:spPr>
+          <a:xfrm>
+            <a:off x="8302801" y="1303928"/>
+            <a:ext cx="301686" cy="369332"/>
+          </a:xfrm>
+          <a:prstGeom prst="rect">
+            <a:avLst/>
+          </a:prstGeom>
+          <a:noFill/>
+        </p:spPr>
+        <p:txBody>
+          <a:bodyPr wrap="none" rtlCol="0">
+            <a:spAutoFit/>
+          </a:bodyPr>
+          <a:lstStyle/>
+          <a:p>
+            <a:r>
+              <a:rPr lang="de-AT" dirty="0"/>
+              <a:t>2</a:t>
+            </a:r>
+            <a:endParaRPr lang="de-DE" dirty="0"/>
+          </a:p>
+        </p:txBody>
+      </p:sp>
+      <p:sp>
+        <p:nvSpPr>
+          <p:cNvPr id="94" name="Textfeld 93">
+            <a:extLst>
+              <a:ext uri="{FF2B5EF4-FFF2-40B4-BE49-F238E27FC236}">
+                <a16:creationId xmlns:a16="http://schemas.microsoft.com/office/drawing/2014/main" id="{FEE0B891-E45C-E265-8FE3-B4382C095304}"/>
+              </a:ext>
+            </a:extLst>
+          </p:cNvPr>
+          <p:cNvSpPr txBox="1"/>
+          <p:nvPr/>
+        </p:nvSpPr>
+        <p:spPr>
+          <a:xfrm>
+            <a:off x="9297717" y="3100967"/>
+            <a:ext cx="301686" cy="369332"/>
+          </a:xfrm>
+          <a:prstGeom prst="rect">
+            <a:avLst/>
+          </a:prstGeom>
+          <a:noFill/>
+        </p:spPr>
+        <p:txBody>
+          <a:bodyPr wrap="none" rtlCol="0">
+            <a:spAutoFit/>
+          </a:bodyPr>
+          <a:lstStyle/>
+          <a:p>
+            <a:r>
+              <a:rPr lang="de-AT" dirty="0"/>
+              <a:t>3</a:t>
+            </a:r>
+            <a:endParaRPr lang="de-DE" dirty="0"/>
+          </a:p>
+        </p:txBody>
+      </p:sp>
+      <p:sp>
+        <p:nvSpPr>
+          <p:cNvPr id="95" name="Textfeld 94">
+            <a:extLst>
+              <a:ext uri="{FF2B5EF4-FFF2-40B4-BE49-F238E27FC236}">
+                <a16:creationId xmlns:a16="http://schemas.microsoft.com/office/drawing/2014/main" id="{62ACD988-A77C-8AD8-729C-F7290BC1CD98}"/>
+              </a:ext>
+            </a:extLst>
+          </p:cNvPr>
+          <p:cNvSpPr txBox="1"/>
+          <p:nvPr/>
+        </p:nvSpPr>
+        <p:spPr>
+          <a:xfrm>
+            <a:off x="5801480" y="1320048"/>
+            <a:ext cx="301686" cy="369332"/>
+          </a:xfrm>
+          <a:prstGeom prst="rect">
+            <a:avLst/>
+          </a:prstGeom>
+          <a:noFill/>
+        </p:spPr>
+        <p:txBody>
+          <a:bodyPr wrap="none" rtlCol="0">
+            <a:spAutoFit/>
+          </a:bodyPr>
+          <a:lstStyle/>
+          <a:p>
+            <a:r>
+              <a:rPr lang="de-AT" dirty="0"/>
+              <a:t>4</a:t>
+            </a:r>
+            <a:endParaRPr lang="de-DE" dirty="0"/>
+          </a:p>
+        </p:txBody>
+      </p:sp>
+      <p:sp>
+        <p:nvSpPr>
+          <p:cNvPr id="96" name="Textfeld 95">
+            <a:extLst>
+              <a:ext uri="{FF2B5EF4-FFF2-40B4-BE49-F238E27FC236}">
+                <a16:creationId xmlns:a16="http://schemas.microsoft.com/office/drawing/2014/main" id="{8CFBCC24-FCE7-32F8-1650-7989F5F76DC3}"/>
+              </a:ext>
+            </a:extLst>
+          </p:cNvPr>
+          <p:cNvSpPr txBox="1"/>
+          <p:nvPr/>
+        </p:nvSpPr>
+        <p:spPr>
+          <a:xfrm>
+            <a:off x="7979828" y="4122639"/>
+            <a:ext cx="301686" cy="369332"/>
+          </a:xfrm>
+          <a:prstGeom prst="rect">
+            <a:avLst/>
+          </a:prstGeom>
+          <a:noFill/>
+        </p:spPr>
+        <p:txBody>
+          <a:bodyPr wrap="none" rtlCol="0">
+            <a:spAutoFit/>
+          </a:bodyPr>
+          <a:lstStyle/>
+          <a:p>
+            <a:r>
+              <a:rPr lang="de-AT" dirty="0"/>
+              <a:t>5</a:t>
+            </a:r>
+            <a:endParaRPr lang="de-DE" dirty="0"/>
+          </a:p>
+        </p:txBody>
+      </p:sp>
+      <p:sp>
+        <p:nvSpPr>
+          <p:cNvPr id="97" name="Textfeld 96">
+            <a:extLst>
+              <a:ext uri="{FF2B5EF4-FFF2-40B4-BE49-F238E27FC236}">
+                <a16:creationId xmlns:a16="http://schemas.microsoft.com/office/drawing/2014/main" id="{D4BF8E38-79C3-7009-66BB-886B10377D70}"/>
+              </a:ext>
+            </a:extLst>
+          </p:cNvPr>
+          <p:cNvSpPr txBox="1"/>
+          <p:nvPr/>
+        </p:nvSpPr>
+        <p:spPr>
+          <a:xfrm>
+            <a:off x="6340287" y="2295253"/>
+            <a:ext cx="301686" cy="369332"/>
+          </a:xfrm>
+          <a:prstGeom prst="rect">
+            <a:avLst/>
+          </a:prstGeom>
+          <a:noFill/>
+        </p:spPr>
+        <p:txBody>
+          <a:bodyPr wrap="none" rtlCol="0">
+            <a:spAutoFit/>
+          </a:bodyPr>
+          <a:lstStyle/>
+          <a:p>
+            <a:r>
+              <a:rPr lang="de-AT" dirty="0"/>
+              <a:t>6</a:t>
+            </a:r>
+            <a:endParaRPr lang="de-DE" dirty="0"/>
+          </a:p>
+        </p:txBody>
+      </p:sp>
+      <p:sp>
+        <p:nvSpPr>
+          <p:cNvPr id="98" name="Textfeld 97">
+            <a:extLst>
+              <a:ext uri="{FF2B5EF4-FFF2-40B4-BE49-F238E27FC236}">
+                <a16:creationId xmlns:a16="http://schemas.microsoft.com/office/drawing/2014/main" id="{3D48A0B0-32E6-14B2-E801-C4B67C03E2D7}"/>
+              </a:ext>
+            </a:extLst>
+          </p:cNvPr>
+          <p:cNvSpPr txBox="1"/>
+          <p:nvPr/>
+        </p:nvSpPr>
+        <p:spPr>
+          <a:xfrm>
+            <a:off x="3240173" y="2267000"/>
+            <a:ext cx="301686" cy="369332"/>
+          </a:xfrm>
+          <a:prstGeom prst="rect">
+            <a:avLst/>
+          </a:prstGeom>
+          <a:noFill/>
+        </p:spPr>
+        <p:txBody>
+          <a:bodyPr wrap="none" rtlCol="0">
+            <a:spAutoFit/>
+          </a:bodyPr>
+          <a:lstStyle/>
+          <a:p>
+            <a:r>
+              <a:rPr lang="de-AT" dirty="0"/>
+              <a:t>7</a:t>
+            </a:r>
+            <a:endParaRPr lang="de-DE" dirty="0"/>
+          </a:p>
+        </p:txBody>
+      </p:sp>
     </p:spTree>
     <p:extLst>
       <p:ext uri="{BB962C8B-B14F-4D97-AF65-F5344CB8AC3E}">

--- a/other_data/models_flowchart.pptx
+++ b/other_data/models_flowchart.pptx
@@ -3821,49 +3821,6 @@
           </a:p>
         </p:txBody>
       </p:sp>
-      <p:cxnSp>
-        <p:nvCxnSpPr>
-          <p:cNvPr id="23" name="Gerade Verbindung mit Pfeil 22">
-            <a:extLst>
-              <a:ext uri="{FF2B5EF4-FFF2-40B4-BE49-F238E27FC236}">
-                <a16:creationId xmlns:a16="http://schemas.microsoft.com/office/drawing/2014/main" id="{1D622758-09ED-8427-8306-DBA09ABC6EF2}"/>
-              </a:ext>
-            </a:extLst>
-          </p:cNvPr>
-          <p:cNvCxnSpPr>
-            <a:cxnSpLocks/>
-            <a:stCxn id="21" idx="3"/>
-            <a:endCxn id="9" idx="1"/>
-          </p:cNvCxnSpPr>
-          <p:nvPr/>
-        </p:nvCxnSpPr>
-        <p:spPr>
-          <a:xfrm flipV="1">
-            <a:off x="4421400" y="2817799"/>
-            <a:ext cx="1039474" cy="11123"/>
-          </a:xfrm>
-          <a:prstGeom prst="straightConnector1">
-            <a:avLst/>
-          </a:prstGeom>
-          <a:ln w="76200">
-            <a:tailEnd type="triangle"/>
-          </a:ln>
-        </p:spPr>
-        <p:style>
-          <a:lnRef idx="1">
-            <a:schemeClr val="accent1"/>
-          </a:lnRef>
-          <a:fillRef idx="0">
-            <a:schemeClr val="accent1"/>
-          </a:fillRef>
-          <a:effectRef idx="0">
-            <a:schemeClr val="accent1"/>
-          </a:effectRef>
-          <a:fontRef idx="minor">
-            <a:schemeClr val="tx1"/>
-          </a:fontRef>
-        </p:style>
-      </p:cxnSp>
       <p:sp>
         <p:nvSpPr>
           <p:cNvPr id="24" name="Textfeld 23">
@@ -4014,6 +3971,9 @@
             <a:avLst/>
           </a:prstGeom>
           <a:ln w="76200">
+            <a:solidFill>
+              <a:schemeClr val="accent2"/>
+            </a:solidFill>
             <a:tailEnd type="triangle"/>
           </a:ln>
         </p:spPr>
@@ -4042,20 +4002,319 @@
             </a:extLst>
           </p:cNvPr>
           <p:cNvCxnSpPr>
+            <a:cxnSpLocks/>
             <a:stCxn id="7" idx="0"/>
-            <a:endCxn id="4" idx="2"/>
+            <a:endCxn id="4" idx="1"/>
           </p:cNvCxnSpPr>
           <p:nvPr/>
         </p:nvCxnSpPr>
         <p:spPr>
           <a:xfrm flipV="1">
-            <a:off x="5952323" y="3940021"/>
-            <a:ext cx="2108768" cy="371294"/>
+            <a:off x="5952323" y="3755355"/>
+            <a:ext cx="1515688" cy="555960"/>
           </a:xfrm>
           <a:prstGeom prst="straightConnector1">
             <a:avLst/>
           </a:prstGeom>
           <a:ln w="76200">
+            <a:tailEnd type="triangle"/>
+          </a:ln>
+        </p:spPr>
+        <p:style>
+          <a:lnRef idx="1">
+            <a:schemeClr val="accent1"/>
+          </a:lnRef>
+          <a:fillRef idx="0">
+            <a:schemeClr val="accent1"/>
+          </a:fillRef>
+          <a:effectRef idx="0">
+            <a:schemeClr val="accent1"/>
+          </a:effectRef>
+          <a:fontRef idx="minor">
+            <a:schemeClr val="tx1"/>
+          </a:fontRef>
+        </p:style>
+      </p:cxnSp>
+      <p:sp>
+        <p:nvSpPr>
+          <p:cNvPr id="92" name="Textfeld 91">
+            <a:extLst>
+              <a:ext uri="{FF2B5EF4-FFF2-40B4-BE49-F238E27FC236}">
+                <a16:creationId xmlns:a16="http://schemas.microsoft.com/office/drawing/2014/main" id="{7170D31A-BDBF-299E-7BF1-7F189438C026}"/>
+              </a:ext>
+            </a:extLst>
+          </p:cNvPr>
+          <p:cNvSpPr txBox="1"/>
+          <p:nvPr/>
+        </p:nvSpPr>
+        <p:spPr>
+          <a:xfrm>
+            <a:off x="10490842" y="1218708"/>
+            <a:ext cx="301686" cy="369332"/>
+          </a:xfrm>
+          <a:prstGeom prst="rect">
+            <a:avLst/>
+          </a:prstGeom>
+          <a:noFill/>
+        </p:spPr>
+        <p:txBody>
+          <a:bodyPr wrap="none" rtlCol="0">
+            <a:spAutoFit/>
+          </a:bodyPr>
+          <a:lstStyle/>
+          <a:p>
+            <a:r>
+              <a:rPr lang="de-AT" dirty="0"/>
+              <a:t>1</a:t>
+            </a:r>
+            <a:endParaRPr lang="de-DE" dirty="0"/>
+          </a:p>
+        </p:txBody>
+      </p:sp>
+      <p:sp>
+        <p:nvSpPr>
+          <p:cNvPr id="93" name="Textfeld 92">
+            <a:extLst>
+              <a:ext uri="{FF2B5EF4-FFF2-40B4-BE49-F238E27FC236}">
+                <a16:creationId xmlns:a16="http://schemas.microsoft.com/office/drawing/2014/main" id="{EFBA78B7-7302-276E-9FDC-A2309FD32515}"/>
+              </a:ext>
+            </a:extLst>
+          </p:cNvPr>
+          <p:cNvSpPr txBox="1"/>
+          <p:nvPr/>
+        </p:nvSpPr>
+        <p:spPr>
+          <a:xfrm>
+            <a:off x="8302801" y="1303928"/>
+            <a:ext cx="301686" cy="369332"/>
+          </a:xfrm>
+          <a:prstGeom prst="rect">
+            <a:avLst/>
+          </a:prstGeom>
+          <a:noFill/>
+        </p:spPr>
+        <p:txBody>
+          <a:bodyPr wrap="none" rtlCol="0">
+            <a:spAutoFit/>
+          </a:bodyPr>
+          <a:lstStyle/>
+          <a:p>
+            <a:r>
+              <a:rPr lang="de-AT" dirty="0"/>
+              <a:t>2</a:t>
+            </a:r>
+            <a:endParaRPr lang="de-DE" dirty="0"/>
+          </a:p>
+        </p:txBody>
+      </p:sp>
+      <p:sp>
+        <p:nvSpPr>
+          <p:cNvPr id="94" name="Textfeld 93">
+            <a:extLst>
+              <a:ext uri="{FF2B5EF4-FFF2-40B4-BE49-F238E27FC236}">
+                <a16:creationId xmlns:a16="http://schemas.microsoft.com/office/drawing/2014/main" id="{FEE0B891-E45C-E265-8FE3-B4382C095304}"/>
+              </a:ext>
+            </a:extLst>
+          </p:cNvPr>
+          <p:cNvSpPr txBox="1"/>
+          <p:nvPr/>
+        </p:nvSpPr>
+        <p:spPr>
+          <a:xfrm>
+            <a:off x="9297717" y="3100967"/>
+            <a:ext cx="301686" cy="369332"/>
+          </a:xfrm>
+          <a:prstGeom prst="rect">
+            <a:avLst/>
+          </a:prstGeom>
+          <a:noFill/>
+        </p:spPr>
+        <p:txBody>
+          <a:bodyPr wrap="none" rtlCol="0">
+            <a:spAutoFit/>
+          </a:bodyPr>
+          <a:lstStyle/>
+          <a:p>
+            <a:r>
+              <a:rPr lang="de-AT" dirty="0"/>
+              <a:t>3</a:t>
+            </a:r>
+            <a:endParaRPr lang="de-DE" dirty="0"/>
+          </a:p>
+        </p:txBody>
+      </p:sp>
+      <p:sp>
+        <p:nvSpPr>
+          <p:cNvPr id="95" name="Textfeld 94">
+            <a:extLst>
+              <a:ext uri="{FF2B5EF4-FFF2-40B4-BE49-F238E27FC236}">
+                <a16:creationId xmlns:a16="http://schemas.microsoft.com/office/drawing/2014/main" id="{62ACD988-A77C-8AD8-729C-F7290BC1CD98}"/>
+              </a:ext>
+            </a:extLst>
+          </p:cNvPr>
+          <p:cNvSpPr txBox="1"/>
+          <p:nvPr/>
+        </p:nvSpPr>
+        <p:spPr>
+          <a:xfrm>
+            <a:off x="5801480" y="1320048"/>
+            <a:ext cx="301686" cy="369332"/>
+          </a:xfrm>
+          <a:prstGeom prst="rect">
+            <a:avLst/>
+          </a:prstGeom>
+          <a:noFill/>
+        </p:spPr>
+        <p:txBody>
+          <a:bodyPr wrap="none" rtlCol="0">
+            <a:spAutoFit/>
+          </a:bodyPr>
+          <a:lstStyle/>
+          <a:p>
+            <a:r>
+              <a:rPr lang="de-AT" dirty="0"/>
+              <a:t>4</a:t>
+            </a:r>
+            <a:endParaRPr lang="de-DE" dirty="0"/>
+          </a:p>
+        </p:txBody>
+      </p:sp>
+      <p:sp>
+        <p:nvSpPr>
+          <p:cNvPr id="96" name="Textfeld 95">
+            <a:extLst>
+              <a:ext uri="{FF2B5EF4-FFF2-40B4-BE49-F238E27FC236}">
+                <a16:creationId xmlns:a16="http://schemas.microsoft.com/office/drawing/2014/main" id="{8CFBCC24-FCE7-32F8-1650-7989F5F76DC3}"/>
+              </a:ext>
+            </a:extLst>
+          </p:cNvPr>
+          <p:cNvSpPr txBox="1"/>
+          <p:nvPr/>
+        </p:nvSpPr>
+        <p:spPr>
+          <a:xfrm>
+            <a:off x="7979828" y="4122639"/>
+            <a:ext cx="301686" cy="369332"/>
+          </a:xfrm>
+          <a:prstGeom prst="rect">
+            <a:avLst/>
+          </a:prstGeom>
+          <a:noFill/>
+        </p:spPr>
+        <p:txBody>
+          <a:bodyPr wrap="none" rtlCol="0">
+            <a:spAutoFit/>
+          </a:bodyPr>
+          <a:lstStyle/>
+          <a:p>
+            <a:r>
+              <a:rPr lang="de-AT" dirty="0"/>
+              <a:t>5</a:t>
+            </a:r>
+            <a:endParaRPr lang="de-DE" dirty="0"/>
+          </a:p>
+        </p:txBody>
+      </p:sp>
+      <p:sp>
+        <p:nvSpPr>
+          <p:cNvPr id="97" name="Textfeld 96">
+            <a:extLst>
+              <a:ext uri="{FF2B5EF4-FFF2-40B4-BE49-F238E27FC236}">
+                <a16:creationId xmlns:a16="http://schemas.microsoft.com/office/drawing/2014/main" id="{D4BF8E38-79C3-7009-66BB-886B10377D70}"/>
+              </a:ext>
+            </a:extLst>
+          </p:cNvPr>
+          <p:cNvSpPr txBox="1"/>
+          <p:nvPr/>
+        </p:nvSpPr>
+        <p:spPr>
+          <a:xfrm>
+            <a:off x="6340287" y="2295253"/>
+            <a:ext cx="301686" cy="369332"/>
+          </a:xfrm>
+          <a:prstGeom prst="rect">
+            <a:avLst/>
+          </a:prstGeom>
+          <a:noFill/>
+        </p:spPr>
+        <p:txBody>
+          <a:bodyPr wrap="none" rtlCol="0">
+            <a:spAutoFit/>
+          </a:bodyPr>
+          <a:lstStyle/>
+          <a:p>
+            <a:r>
+              <a:rPr lang="de-AT" dirty="0"/>
+              <a:t>6</a:t>
+            </a:r>
+            <a:endParaRPr lang="de-DE" dirty="0"/>
+          </a:p>
+        </p:txBody>
+      </p:sp>
+      <p:sp>
+        <p:nvSpPr>
+          <p:cNvPr id="98" name="Textfeld 97">
+            <a:extLst>
+              <a:ext uri="{FF2B5EF4-FFF2-40B4-BE49-F238E27FC236}">
+                <a16:creationId xmlns:a16="http://schemas.microsoft.com/office/drawing/2014/main" id="{3D48A0B0-32E6-14B2-E801-C4B67C03E2D7}"/>
+              </a:ext>
+            </a:extLst>
+          </p:cNvPr>
+          <p:cNvSpPr txBox="1"/>
+          <p:nvPr/>
+        </p:nvSpPr>
+        <p:spPr>
+          <a:xfrm>
+            <a:off x="3240173" y="2267000"/>
+            <a:ext cx="301686" cy="369332"/>
+          </a:xfrm>
+          <a:prstGeom prst="rect">
+            <a:avLst/>
+          </a:prstGeom>
+          <a:noFill/>
+        </p:spPr>
+        <p:txBody>
+          <a:bodyPr wrap="none" rtlCol="0">
+            <a:spAutoFit/>
+          </a:bodyPr>
+          <a:lstStyle/>
+          <a:p>
+            <a:r>
+              <a:rPr lang="de-AT" dirty="0"/>
+              <a:t>7</a:t>
+            </a:r>
+            <a:endParaRPr lang="de-DE" dirty="0"/>
+          </a:p>
+        </p:txBody>
+      </p:sp>
+      <p:cxnSp>
+        <p:nvCxnSpPr>
+          <p:cNvPr id="109" name="Gerade Verbindung mit Pfeil 108">
+            <a:extLst>
+              <a:ext uri="{FF2B5EF4-FFF2-40B4-BE49-F238E27FC236}">
+                <a16:creationId xmlns:a16="http://schemas.microsoft.com/office/drawing/2014/main" id="{F98AAAE8-2098-7E4C-0F45-FD888AA7B30C}"/>
+              </a:ext>
+            </a:extLst>
+          </p:cNvPr>
+          <p:cNvCxnSpPr>
+            <a:cxnSpLocks/>
+            <a:stCxn id="9" idx="1"/>
+            <a:endCxn id="21" idx="3"/>
+          </p:cNvCxnSpPr>
+          <p:nvPr/>
+        </p:nvCxnSpPr>
+        <p:spPr>
+          <a:xfrm flipH="1">
+            <a:off x="4421400" y="2817799"/>
+            <a:ext cx="1039474" cy="11123"/>
+          </a:xfrm>
+          <a:prstGeom prst="straightConnector1">
+            <a:avLst/>
+          </a:prstGeom>
+          <a:ln w="76200">
+            <a:solidFill>
+              <a:schemeClr val="accent2"/>
+            </a:solidFill>
             <a:tailEnd type="triangle"/>
           </a:ln>
         </p:spPr>
@@ -4076,23 +4335,24 @@
       </p:cxnSp>
       <p:cxnSp>
         <p:nvCxnSpPr>
-          <p:cNvPr id="54" name="Gerade Verbindung mit Pfeil 53">
-            <a:extLst>
-              <a:ext uri="{FF2B5EF4-FFF2-40B4-BE49-F238E27FC236}">
-                <a16:creationId xmlns:a16="http://schemas.microsoft.com/office/drawing/2014/main" id="{47464077-C666-1A6F-8091-6AB85316D680}"/>
+          <p:cNvPr id="112" name="Gerade Verbindung mit Pfeil 111">
+            <a:extLst>
+              <a:ext uri="{FF2B5EF4-FFF2-40B4-BE49-F238E27FC236}">
+                <a16:creationId xmlns:a16="http://schemas.microsoft.com/office/drawing/2014/main" id="{7BEB7CEA-D894-7D38-ABA1-B96EF94D8F15}"/>
               </a:ext>
             </a:extLst>
           </p:cNvPr>
           <p:cNvCxnSpPr>
             <a:cxnSpLocks/>
+            <a:stCxn id="24" idx="0"/>
             <a:endCxn id="21" idx="2"/>
           </p:cNvCxnSpPr>
           <p:nvPr/>
         </p:nvCxnSpPr>
         <p:spPr>
-          <a:xfrm flipV="1">
+          <a:xfrm flipH="1" flipV="1">
             <a:off x="3929887" y="3013588"/>
-            <a:ext cx="0" cy="1293717"/>
+            <a:ext cx="1" cy="1297727"/>
           </a:xfrm>
           <a:prstGeom prst="straightConnector1">
             <a:avLst/>
@@ -4101,7 +4361,6 @@
             <a:solidFill>
               <a:schemeClr val="accent2"/>
             </a:solidFill>
-            <a:headEnd type="triangle"/>
             <a:tailEnd type="triangle"/>
           </a:ln>
         </p:spPr>
@@ -4122,16 +4381,16 @@
       </p:cxnSp>
       <p:cxnSp>
         <p:nvCxnSpPr>
-          <p:cNvPr id="56" name="Gerade Verbindung mit Pfeil 55">
-            <a:extLst>
-              <a:ext uri="{FF2B5EF4-FFF2-40B4-BE49-F238E27FC236}">
-                <a16:creationId xmlns:a16="http://schemas.microsoft.com/office/drawing/2014/main" id="{20DB0ED6-811D-12A1-6F28-F9D43BD5BE67}"/>
+          <p:cNvPr id="115" name="Gerade Verbindung mit Pfeil 114">
+            <a:extLst>
+              <a:ext uri="{FF2B5EF4-FFF2-40B4-BE49-F238E27FC236}">
+                <a16:creationId xmlns:a16="http://schemas.microsoft.com/office/drawing/2014/main" id="{78BCF5D0-E81F-E63C-F642-B5F46AE11619}"/>
               </a:ext>
             </a:extLst>
           </p:cNvPr>
           <p:cNvCxnSpPr>
             <a:cxnSpLocks/>
-            <a:stCxn id="4" idx="0"/>
+            <a:stCxn id="4" idx="1"/>
             <a:endCxn id="9" idx="2"/>
           </p:cNvCxnSpPr>
           <p:nvPr/>
@@ -4139,7 +4398,7 @@
         <p:spPr>
           <a:xfrm flipH="1" flipV="1">
             <a:off x="5952323" y="3002465"/>
-            <a:ext cx="2108768" cy="568224"/>
+            <a:ext cx="1515688" cy="752890"/>
           </a:xfrm>
           <a:prstGeom prst="straightConnector1">
             <a:avLst/>
@@ -4148,7 +4407,6 @@
             <a:solidFill>
               <a:schemeClr val="accent2"/>
             </a:solidFill>
-            <a:headEnd type="triangle"/>
             <a:tailEnd type="triangle"/>
           </a:ln>
         </p:spPr>
@@ -4167,258 +4425,6 @@
           </a:fontRef>
         </p:style>
       </p:cxnSp>
-      <p:sp>
-        <p:nvSpPr>
-          <p:cNvPr id="92" name="Textfeld 91">
-            <a:extLst>
-              <a:ext uri="{FF2B5EF4-FFF2-40B4-BE49-F238E27FC236}">
-                <a16:creationId xmlns:a16="http://schemas.microsoft.com/office/drawing/2014/main" id="{7170D31A-BDBF-299E-7BF1-7F189438C026}"/>
-              </a:ext>
-            </a:extLst>
-          </p:cNvPr>
-          <p:cNvSpPr txBox="1"/>
-          <p:nvPr/>
-        </p:nvSpPr>
-        <p:spPr>
-          <a:xfrm>
-            <a:off x="10490842" y="1218708"/>
-            <a:ext cx="301686" cy="369332"/>
-          </a:xfrm>
-          <a:prstGeom prst="rect">
-            <a:avLst/>
-          </a:prstGeom>
-          <a:noFill/>
-        </p:spPr>
-        <p:txBody>
-          <a:bodyPr wrap="none" rtlCol="0">
-            <a:spAutoFit/>
-          </a:bodyPr>
-          <a:lstStyle/>
-          <a:p>
-            <a:r>
-              <a:rPr lang="de-AT" dirty="0"/>
-              <a:t>1</a:t>
-            </a:r>
-            <a:endParaRPr lang="de-DE" dirty="0"/>
-          </a:p>
-        </p:txBody>
-      </p:sp>
-      <p:sp>
-        <p:nvSpPr>
-          <p:cNvPr id="93" name="Textfeld 92">
-            <a:extLst>
-              <a:ext uri="{FF2B5EF4-FFF2-40B4-BE49-F238E27FC236}">
-                <a16:creationId xmlns:a16="http://schemas.microsoft.com/office/drawing/2014/main" id="{EFBA78B7-7302-276E-9FDC-A2309FD32515}"/>
-              </a:ext>
-            </a:extLst>
-          </p:cNvPr>
-          <p:cNvSpPr txBox="1"/>
-          <p:nvPr/>
-        </p:nvSpPr>
-        <p:spPr>
-          <a:xfrm>
-            <a:off x="8302801" y="1303928"/>
-            <a:ext cx="301686" cy="369332"/>
-          </a:xfrm>
-          <a:prstGeom prst="rect">
-            <a:avLst/>
-          </a:prstGeom>
-          <a:noFill/>
-        </p:spPr>
-        <p:txBody>
-          <a:bodyPr wrap="none" rtlCol="0">
-            <a:spAutoFit/>
-          </a:bodyPr>
-          <a:lstStyle/>
-          <a:p>
-            <a:r>
-              <a:rPr lang="de-AT" dirty="0"/>
-              <a:t>2</a:t>
-            </a:r>
-            <a:endParaRPr lang="de-DE" dirty="0"/>
-          </a:p>
-        </p:txBody>
-      </p:sp>
-      <p:sp>
-        <p:nvSpPr>
-          <p:cNvPr id="94" name="Textfeld 93">
-            <a:extLst>
-              <a:ext uri="{FF2B5EF4-FFF2-40B4-BE49-F238E27FC236}">
-                <a16:creationId xmlns:a16="http://schemas.microsoft.com/office/drawing/2014/main" id="{FEE0B891-E45C-E265-8FE3-B4382C095304}"/>
-              </a:ext>
-            </a:extLst>
-          </p:cNvPr>
-          <p:cNvSpPr txBox="1"/>
-          <p:nvPr/>
-        </p:nvSpPr>
-        <p:spPr>
-          <a:xfrm>
-            <a:off x="9297717" y="3100967"/>
-            <a:ext cx="301686" cy="369332"/>
-          </a:xfrm>
-          <a:prstGeom prst="rect">
-            <a:avLst/>
-          </a:prstGeom>
-          <a:noFill/>
-        </p:spPr>
-        <p:txBody>
-          <a:bodyPr wrap="none" rtlCol="0">
-            <a:spAutoFit/>
-          </a:bodyPr>
-          <a:lstStyle/>
-          <a:p>
-            <a:r>
-              <a:rPr lang="de-AT" dirty="0"/>
-              <a:t>3</a:t>
-            </a:r>
-            <a:endParaRPr lang="de-DE" dirty="0"/>
-          </a:p>
-        </p:txBody>
-      </p:sp>
-      <p:sp>
-        <p:nvSpPr>
-          <p:cNvPr id="95" name="Textfeld 94">
-            <a:extLst>
-              <a:ext uri="{FF2B5EF4-FFF2-40B4-BE49-F238E27FC236}">
-                <a16:creationId xmlns:a16="http://schemas.microsoft.com/office/drawing/2014/main" id="{62ACD988-A77C-8AD8-729C-F7290BC1CD98}"/>
-              </a:ext>
-            </a:extLst>
-          </p:cNvPr>
-          <p:cNvSpPr txBox="1"/>
-          <p:nvPr/>
-        </p:nvSpPr>
-        <p:spPr>
-          <a:xfrm>
-            <a:off x="5801480" y="1320048"/>
-            <a:ext cx="301686" cy="369332"/>
-          </a:xfrm>
-          <a:prstGeom prst="rect">
-            <a:avLst/>
-          </a:prstGeom>
-          <a:noFill/>
-        </p:spPr>
-        <p:txBody>
-          <a:bodyPr wrap="none" rtlCol="0">
-            <a:spAutoFit/>
-          </a:bodyPr>
-          <a:lstStyle/>
-          <a:p>
-            <a:r>
-              <a:rPr lang="de-AT" dirty="0"/>
-              <a:t>4</a:t>
-            </a:r>
-            <a:endParaRPr lang="de-DE" dirty="0"/>
-          </a:p>
-        </p:txBody>
-      </p:sp>
-      <p:sp>
-        <p:nvSpPr>
-          <p:cNvPr id="96" name="Textfeld 95">
-            <a:extLst>
-              <a:ext uri="{FF2B5EF4-FFF2-40B4-BE49-F238E27FC236}">
-                <a16:creationId xmlns:a16="http://schemas.microsoft.com/office/drawing/2014/main" id="{8CFBCC24-FCE7-32F8-1650-7989F5F76DC3}"/>
-              </a:ext>
-            </a:extLst>
-          </p:cNvPr>
-          <p:cNvSpPr txBox="1"/>
-          <p:nvPr/>
-        </p:nvSpPr>
-        <p:spPr>
-          <a:xfrm>
-            <a:off x="7979828" y="4122639"/>
-            <a:ext cx="301686" cy="369332"/>
-          </a:xfrm>
-          <a:prstGeom prst="rect">
-            <a:avLst/>
-          </a:prstGeom>
-          <a:noFill/>
-        </p:spPr>
-        <p:txBody>
-          <a:bodyPr wrap="none" rtlCol="0">
-            <a:spAutoFit/>
-          </a:bodyPr>
-          <a:lstStyle/>
-          <a:p>
-            <a:r>
-              <a:rPr lang="de-AT" dirty="0"/>
-              <a:t>5</a:t>
-            </a:r>
-            <a:endParaRPr lang="de-DE" dirty="0"/>
-          </a:p>
-        </p:txBody>
-      </p:sp>
-      <p:sp>
-        <p:nvSpPr>
-          <p:cNvPr id="97" name="Textfeld 96">
-            <a:extLst>
-              <a:ext uri="{FF2B5EF4-FFF2-40B4-BE49-F238E27FC236}">
-                <a16:creationId xmlns:a16="http://schemas.microsoft.com/office/drawing/2014/main" id="{D4BF8E38-79C3-7009-66BB-886B10377D70}"/>
-              </a:ext>
-            </a:extLst>
-          </p:cNvPr>
-          <p:cNvSpPr txBox="1"/>
-          <p:nvPr/>
-        </p:nvSpPr>
-        <p:spPr>
-          <a:xfrm>
-            <a:off x="6340287" y="2295253"/>
-            <a:ext cx="301686" cy="369332"/>
-          </a:xfrm>
-          <a:prstGeom prst="rect">
-            <a:avLst/>
-          </a:prstGeom>
-          <a:noFill/>
-        </p:spPr>
-        <p:txBody>
-          <a:bodyPr wrap="none" rtlCol="0">
-            <a:spAutoFit/>
-          </a:bodyPr>
-          <a:lstStyle/>
-          <a:p>
-            <a:r>
-              <a:rPr lang="de-AT" dirty="0"/>
-              <a:t>6</a:t>
-            </a:r>
-            <a:endParaRPr lang="de-DE" dirty="0"/>
-          </a:p>
-        </p:txBody>
-      </p:sp>
-      <p:sp>
-        <p:nvSpPr>
-          <p:cNvPr id="98" name="Textfeld 97">
-            <a:extLst>
-              <a:ext uri="{FF2B5EF4-FFF2-40B4-BE49-F238E27FC236}">
-                <a16:creationId xmlns:a16="http://schemas.microsoft.com/office/drawing/2014/main" id="{3D48A0B0-32E6-14B2-E801-C4B67C03E2D7}"/>
-              </a:ext>
-            </a:extLst>
-          </p:cNvPr>
-          <p:cNvSpPr txBox="1"/>
-          <p:nvPr/>
-        </p:nvSpPr>
-        <p:spPr>
-          <a:xfrm>
-            <a:off x="3240173" y="2267000"/>
-            <a:ext cx="301686" cy="369332"/>
-          </a:xfrm>
-          <a:prstGeom prst="rect">
-            <a:avLst/>
-          </a:prstGeom>
-          <a:noFill/>
-        </p:spPr>
-        <p:txBody>
-          <a:bodyPr wrap="none" rtlCol="0">
-            <a:spAutoFit/>
-          </a:bodyPr>
-          <a:lstStyle/>
-          <a:p>
-            <a:r>
-              <a:rPr lang="de-AT" dirty="0"/>
-              <a:t>7</a:t>
-            </a:r>
-            <a:endParaRPr lang="de-DE" dirty="0"/>
-          </a:p>
-        </p:txBody>
-      </p:sp>
     </p:spTree>
     <p:extLst>
       <p:ext uri="{BB962C8B-B14F-4D97-AF65-F5344CB8AC3E}">
